--- a/presentazione/presentazione.pptx
+++ b/presentazione/presentazione.pptx
@@ -19,16 +19,17 @@
     <p:sldId id="267" r:id="rId13"/>
     <p:sldId id="268" r:id="rId14"/>
     <p:sldId id="269" r:id="rId15"/>
-    <p:sldId id="276" r:id="rId16"/>
-    <p:sldId id="270" r:id="rId17"/>
-    <p:sldId id="271" r:id="rId18"/>
-    <p:sldId id="272" r:id="rId19"/>
-    <p:sldId id="273" r:id="rId20"/>
-    <p:sldId id="274" r:id="rId21"/>
-    <p:sldId id="275" r:id="rId22"/>
-    <p:sldId id="277" r:id="rId23"/>
-    <p:sldId id="279" r:id="rId24"/>
-    <p:sldId id="278" r:id="rId25"/>
+    <p:sldId id="280" r:id="rId16"/>
+    <p:sldId id="276" r:id="rId17"/>
+    <p:sldId id="270" r:id="rId18"/>
+    <p:sldId id="271" r:id="rId19"/>
+    <p:sldId id="272" r:id="rId20"/>
+    <p:sldId id="273" r:id="rId21"/>
+    <p:sldId id="274" r:id="rId22"/>
+    <p:sldId id="275" r:id="rId23"/>
+    <p:sldId id="277" r:id="rId24"/>
+    <p:sldId id="279" r:id="rId25"/>
+    <p:sldId id="278" r:id="rId26"/>
   </p:sldIdLst>
   <p:sldSz cx="12192000" cy="6858000"/>
   <p:notesSz cx="6858000" cy="9144000"/>
@@ -127,6 +128,11 @@
       </a:defRPr>
     </a:lvl9pPr>
   </p:defaultTextStyle>
+  <p:extLst>
+    <p:ext uri="{EFAFB233-063F-42B5-8137-9DF3F51BA10A}">
+      <p15:sldGuideLst xmlns:p15="http://schemas.microsoft.com/office/powerpoint/2012/main"/>
+    </p:ext>
+  </p:extLst>
 </p:presentation>
 </file>
 
@@ -279,7 +285,7 @@
           <a:p>
             <a:fld id="{60BA10E7-6D8C-2F42-9F4F-6E3E7BFA2994}" type="datetimeFigureOut">
               <a:rPr lang="it-CH" smtClean="0"/>
-              <a:t>10.12.19</a:t>
+              <a:t>12.12.19</a:t>
             </a:fld>
             <a:endParaRPr lang="it-CH"/>
           </a:p>
@@ -454,7 +460,7 @@
           <a:p>
             <a:fld id="{60BA10E7-6D8C-2F42-9F4F-6E3E7BFA2994}" type="datetimeFigureOut">
               <a:rPr lang="it-CH" smtClean="0"/>
-              <a:t>10.12.19</a:t>
+              <a:t>12.12.19</a:t>
             </a:fld>
             <a:endParaRPr lang="it-CH"/>
           </a:p>
@@ -639,7 +645,7 @@
           <a:p>
             <a:fld id="{60BA10E7-6D8C-2F42-9F4F-6E3E7BFA2994}" type="datetimeFigureOut">
               <a:rPr lang="it-CH" smtClean="0"/>
-              <a:t>10.12.19</a:t>
+              <a:t>12.12.19</a:t>
             </a:fld>
             <a:endParaRPr lang="it-CH"/>
           </a:p>
@@ -814,7 +820,7 @@
           <a:p>
             <a:fld id="{60BA10E7-6D8C-2F42-9F4F-6E3E7BFA2994}" type="datetimeFigureOut">
               <a:rPr lang="it-CH" smtClean="0"/>
-              <a:t>10.12.19</a:t>
+              <a:t>12.12.19</a:t>
             </a:fld>
             <a:endParaRPr lang="it-CH"/>
           </a:p>
@@ -1094,7 +1100,7 @@
           <a:p>
             <a:fld id="{60BA10E7-6D8C-2F42-9F4F-6E3E7BFA2994}" type="datetimeFigureOut">
               <a:rPr lang="it-CH" smtClean="0"/>
-              <a:t>10.12.19</a:t>
+              <a:t>12.12.19</a:t>
             </a:fld>
             <a:endParaRPr lang="it-CH"/>
           </a:p>
@@ -1312,7 +1318,7 @@
           <a:p>
             <a:fld id="{60BA10E7-6D8C-2F42-9F4F-6E3E7BFA2994}" type="datetimeFigureOut">
               <a:rPr lang="it-CH" smtClean="0"/>
-              <a:t>10.12.19</a:t>
+              <a:t>12.12.19</a:t>
             </a:fld>
             <a:endParaRPr lang="it-CH"/>
           </a:p>
@@ -1685,7 +1691,7 @@
           <a:p>
             <a:fld id="{60BA10E7-6D8C-2F42-9F4F-6E3E7BFA2994}" type="datetimeFigureOut">
               <a:rPr lang="it-CH" smtClean="0"/>
-              <a:t>10.12.19</a:t>
+              <a:t>12.12.19</a:t>
             </a:fld>
             <a:endParaRPr lang="it-CH"/>
           </a:p>
@@ -1827,7 +1833,7 @@
           <a:p>
             <a:fld id="{60BA10E7-6D8C-2F42-9F4F-6E3E7BFA2994}" type="datetimeFigureOut">
               <a:rPr lang="it-CH" smtClean="0"/>
-              <a:t>10.12.19</a:t>
+              <a:t>12.12.19</a:t>
             </a:fld>
             <a:endParaRPr lang="it-CH"/>
           </a:p>
@@ -1940,7 +1946,7 @@
           <a:p>
             <a:fld id="{60BA10E7-6D8C-2F42-9F4F-6E3E7BFA2994}" type="datetimeFigureOut">
               <a:rPr lang="it-CH" smtClean="0"/>
-              <a:t>10.12.19</a:t>
+              <a:t>12.12.19</a:t>
             </a:fld>
             <a:endParaRPr lang="it-CH"/>
           </a:p>
@@ -2232,7 +2238,7 @@
           <a:p>
             <a:fld id="{60BA10E7-6D8C-2F42-9F4F-6E3E7BFA2994}" type="datetimeFigureOut">
               <a:rPr lang="it-CH" smtClean="0"/>
-              <a:t>10.12.19</a:t>
+              <a:t>12.12.19</a:t>
             </a:fld>
             <a:endParaRPr lang="it-CH"/>
           </a:p>
@@ -2525,7 +2531,7 @@
           <a:p>
             <a:fld id="{60BA10E7-6D8C-2F42-9F4F-6E3E7BFA2994}" type="datetimeFigureOut">
               <a:rPr lang="it-CH" smtClean="0"/>
-              <a:t>10.12.19</a:t>
+              <a:t>12.12.19</a:t>
             </a:fld>
             <a:endParaRPr lang="it-CH"/>
           </a:p>
@@ -2743,7 +2749,7 @@
           <a:p>
             <a:fld id="{60BA10E7-6D8C-2F42-9F4F-6E3E7BFA2994}" type="datetimeFigureOut">
               <a:rPr lang="it-CH" smtClean="0"/>
-              <a:t>10.12.19</a:t>
+              <a:t>12.12.19</a:t>
             </a:fld>
             <a:endParaRPr lang="it-CH"/>
           </a:p>
@@ -3691,7 +3697,7 @@
           <p:cNvPr id="2" name="Titolo 1">
             <a:extLst>
               <a:ext uri="{FF2B5EF4-FFF2-40B4-BE49-F238E27FC236}">
-                <a16:creationId xmlns:a16="http://schemas.microsoft.com/office/drawing/2014/main" id="{7B74C746-EE5D-3043-8D83-565AC94B89E5}"/>
+                <a16:creationId xmlns:a16="http://schemas.microsoft.com/office/drawing/2014/main" id="{45BAC53A-70C8-864A-A0BB-F519899F5FE2}"/>
               </a:ext>
             </a:extLst>
           </p:cNvPr>
@@ -3709,7 +3715,7 @@
           <a:p>
             <a:r>
               <a:rPr lang="it-CH" dirty="0"/>
-              <a:t>Vulnerabilità.</a:t>
+              <a:t>Librerie e framework.</a:t>
             </a:r>
           </a:p>
         </p:txBody>
@@ -3719,7 +3725,7 @@
           <p:cNvPr id="4" name="Segnaposto contenuto 2">
             <a:extLst>
               <a:ext uri="{FF2B5EF4-FFF2-40B4-BE49-F238E27FC236}">
-                <a16:creationId xmlns:a16="http://schemas.microsoft.com/office/drawing/2014/main" id="{25A08B2C-AA5A-4C4C-A0C4-2231B3303E2B}"/>
+                <a16:creationId xmlns:a16="http://schemas.microsoft.com/office/drawing/2014/main" id="{088A4121-47CE-F344-90D4-150B22A99F05}"/>
               </a:ext>
             </a:extLst>
           </p:cNvPr>
@@ -3730,8 +3736,8 @@
         </p:nvSpPr>
         <p:spPr>
           <a:xfrm>
-            <a:off x="3443176" y="2141536"/>
-            <a:ext cx="5305647" cy="4716463"/>
+            <a:off x="5084027" y="2141537"/>
+            <a:ext cx="2023946" cy="4716463"/>
           </a:xfrm>
           <a:prstGeom prst="rect">
             <a:avLst/>
@@ -3908,6 +3914,273 @@
           <a:p>
             <a:r>
               <a:rPr lang="it-CH" dirty="0"/>
+              <a:t>PHPMailer</a:t>
+            </a:r>
+          </a:p>
+          <a:p>
+            <a:r>
+              <a:rPr lang="it-CH" dirty="0"/>
+              <a:t>Slim 3</a:t>
+            </a:r>
+            <a:br>
+              <a:rPr lang="it-CH" dirty="0"/>
+            </a:br>
+            <a:endParaRPr lang="it-CH" dirty="0"/>
+          </a:p>
+        </p:txBody>
+      </p:sp>
+    </p:spTree>
+    <p:extLst>
+      <p:ext uri="{BB962C8B-B14F-4D97-AF65-F5344CB8AC3E}">
+        <p14:creationId xmlns:p14="http://schemas.microsoft.com/office/powerpoint/2010/main" val="119500748"/>
+      </p:ext>
+    </p:extLst>
+  </p:cSld>
+  <p:clrMapOvr>
+    <a:masterClrMapping/>
+  </p:clrMapOvr>
+</p:sld>
+</file>
+
+<file path=ppt/slides/slide16.xml><?xml version="1.0" encoding="utf-8"?>
+<p:sld xmlns:a="http://schemas.openxmlformats.org/drawingml/2006/main" xmlns:r="http://schemas.openxmlformats.org/officeDocument/2006/relationships" xmlns:p="http://schemas.openxmlformats.org/presentationml/2006/main">
+  <p:cSld>
+    <p:spTree>
+      <p:nvGrpSpPr>
+        <p:cNvPr id="1" name=""/>
+        <p:cNvGrpSpPr/>
+        <p:nvPr/>
+      </p:nvGrpSpPr>
+      <p:grpSpPr>
+        <a:xfrm>
+          <a:off x="0" y="0"/>
+          <a:ext cx="0" cy="0"/>
+          <a:chOff x="0" y="0"/>
+          <a:chExt cx="0" cy="0"/>
+        </a:xfrm>
+      </p:grpSpPr>
+      <p:sp>
+        <p:nvSpPr>
+          <p:cNvPr id="2" name="Titolo 1">
+            <a:extLst>
+              <a:ext uri="{FF2B5EF4-FFF2-40B4-BE49-F238E27FC236}">
+                <a16:creationId xmlns:a16="http://schemas.microsoft.com/office/drawing/2014/main" id="{7B74C746-EE5D-3043-8D83-565AC94B89E5}"/>
+              </a:ext>
+            </a:extLst>
+          </p:cNvPr>
+          <p:cNvSpPr>
+            <a:spLocks noGrp="1"/>
+          </p:cNvSpPr>
+          <p:nvPr>
+            <p:ph type="title"/>
+          </p:nvPr>
+        </p:nvSpPr>
+        <p:spPr/>
+        <p:txBody>
+          <a:bodyPr/>
+          <a:lstStyle/>
+          <a:p>
+            <a:r>
+              <a:rPr lang="it-CH" dirty="0"/>
+              <a:t>Vulnerabilità.</a:t>
+            </a:r>
+          </a:p>
+        </p:txBody>
+      </p:sp>
+      <p:sp>
+        <p:nvSpPr>
+          <p:cNvPr id="4" name="Segnaposto contenuto 2">
+            <a:extLst>
+              <a:ext uri="{FF2B5EF4-FFF2-40B4-BE49-F238E27FC236}">
+                <a16:creationId xmlns:a16="http://schemas.microsoft.com/office/drawing/2014/main" id="{25A08B2C-AA5A-4C4C-A0C4-2231B3303E2B}"/>
+              </a:ext>
+            </a:extLst>
+          </p:cNvPr>
+          <p:cNvSpPr txBox="1">
+            <a:spLocks/>
+          </p:cNvSpPr>
+          <p:nvPr/>
+        </p:nvSpPr>
+        <p:spPr>
+          <a:xfrm>
+            <a:off x="3443176" y="2141536"/>
+            <a:ext cx="5305647" cy="4716463"/>
+          </a:xfrm>
+          <a:prstGeom prst="rect">
+            <a:avLst/>
+          </a:prstGeom>
+        </p:spPr>
+        <p:txBody>
+          <a:bodyPr vert="horz" lIns="91440" tIns="45720" rIns="91440" bIns="45720" rtlCol="0">
+            <a:normAutofit/>
+          </a:bodyPr>
+          <a:lstStyle>
+            <a:lvl1pPr marL="228600" indent="-228600" algn="l" defTabSz="914400" rtl="0" eaLnBrk="1" latinLnBrk="0" hangingPunct="1">
+              <a:lnSpc>
+                <a:spcPct val="90000"/>
+              </a:lnSpc>
+              <a:spcBef>
+                <a:spcPts val="1000"/>
+              </a:spcBef>
+              <a:buFont typeface="Arial" panose="020B0604020202020204" pitchFamily="34" charset="0"/>
+              <a:buChar char="•"/>
+              <a:defRPr sz="2800" kern="1200">
+                <a:solidFill>
+                  <a:schemeClr val="tx1"/>
+                </a:solidFill>
+                <a:latin typeface="+mn-lt"/>
+                <a:ea typeface="+mn-ea"/>
+                <a:cs typeface="+mn-cs"/>
+              </a:defRPr>
+            </a:lvl1pPr>
+            <a:lvl2pPr marL="685800" indent="-228600" algn="l" defTabSz="914400" rtl="0" eaLnBrk="1" latinLnBrk="0" hangingPunct="1">
+              <a:lnSpc>
+                <a:spcPct val="90000"/>
+              </a:lnSpc>
+              <a:spcBef>
+                <a:spcPts val="500"/>
+              </a:spcBef>
+              <a:buFont typeface="Arial" panose="020B0604020202020204" pitchFamily="34" charset="0"/>
+              <a:buChar char="•"/>
+              <a:defRPr sz="2400" kern="1200">
+                <a:solidFill>
+                  <a:schemeClr val="tx1"/>
+                </a:solidFill>
+                <a:latin typeface="+mn-lt"/>
+                <a:ea typeface="+mn-ea"/>
+                <a:cs typeface="+mn-cs"/>
+              </a:defRPr>
+            </a:lvl2pPr>
+            <a:lvl3pPr marL="1143000" indent="-228600" algn="l" defTabSz="914400" rtl="0" eaLnBrk="1" latinLnBrk="0" hangingPunct="1">
+              <a:lnSpc>
+                <a:spcPct val="90000"/>
+              </a:lnSpc>
+              <a:spcBef>
+                <a:spcPts val="500"/>
+              </a:spcBef>
+              <a:buFont typeface="Arial" panose="020B0604020202020204" pitchFamily="34" charset="0"/>
+              <a:buChar char="•"/>
+              <a:defRPr sz="2000" kern="1200">
+                <a:solidFill>
+                  <a:schemeClr val="tx1"/>
+                </a:solidFill>
+                <a:latin typeface="+mn-lt"/>
+                <a:ea typeface="+mn-ea"/>
+                <a:cs typeface="+mn-cs"/>
+              </a:defRPr>
+            </a:lvl3pPr>
+            <a:lvl4pPr marL="1600200" indent="-228600" algn="l" defTabSz="914400" rtl="0" eaLnBrk="1" latinLnBrk="0" hangingPunct="1">
+              <a:lnSpc>
+                <a:spcPct val="90000"/>
+              </a:lnSpc>
+              <a:spcBef>
+                <a:spcPts val="500"/>
+              </a:spcBef>
+              <a:buFont typeface="Arial" panose="020B0604020202020204" pitchFamily="34" charset="0"/>
+              <a:buChar char="•"/>
+              <a:defRPr sz="1800" kern="1200">
+                <a:solidFill>
+                  <a:schemeClr val="tx1"/>
+                </a:solidFill>
+                <a:latin typeface="+mn-lt"/>
+                <a:ea typeface="+mn-ea"/>
+                <a:cs typeface="+mn-cs"/>
+              </a:defRPr>
+            </a:lvl4pPr>
+            <a:lvl5pPr marL="2057400" indent="-228600" algn="l" defTabSz="914400" rtl="0" eaLnBrk="1" latinLnBrk="0" hangingPunct="1">
+              <a:lnSpc>
+                <a:spcPct val="90000"/>
+              </a:lnSpc>
+              <a:spcBef>
+                <a:spcPts val="500"/>
+              </a:spcBef>
+              <a:buFont typeface="Arial" panose="020B0604020202020204" pitchFamily="34" charset="0"/>
+              <a:buChar char="•"/>
+              <a:defRPr sz="1800" kern="1200">
+                <a:solidFill>
+                  <a:schemeClr val="tx1"/>
+                </a:solidFill>
+                <a:latin typeface="+mn-lt"/>
+                <a:ea typeface="+mn-ea"/>
+                <a:cs typeface="+mn-cs"/>
+              </a:defRPr>
+            </a:lvl5pPr>
+            <a:lvl6pPr marL="2514600" indent="-228600" algn="l" defTabSz="914400" rtl="0" eaLnBrk="1" latinLnBrk="0" hangingPunct="1">
+              <a:lnSpc>
+                <a:spcPct val="90000"/>
+              </a:lnSpc>
+              <a:spcBef>
+                <a:spcPts val="500"/>
+              </a:spcBef>
+              <a:buFont typeface="Arial" panose="020B0604020202020204" pitchFamily="34" charset="0"/>
+              <a:buChar char="•"/>
+              <a:defRPr sz="1800" kern="1200">
+                <a:solidFill>
+                  <a:schemeClr val="tx1"/>
+                </a:solidFill>
+                <a:latin typeface="+mn-lt"/>
+                <a:ea typeface="+mn-ea"/>
+                <a:cs typeface="+mn-cs"/>
+              </a:defRPr>
+            </a:lvl6pPr>
+            <a:lvl7pPr marL="2971800" indent="-228600" algn="l" defTabSz="914400" rtl="0" eaLnBrk="1" latinLnBrk="0" hangingPunct="1">
+              <a:lnSpc>
+                <a:spcPct val="90000"/>
+              </a:lnSpc>
+              <a:spcBef>
+                <a:spcPts val="500"/>
+              </a:spcBef>
+              <a:buFont typeface="Arial" panose="020B0604020202020204" pitchFamily="34" charset="0"/>
+              <a:buChar char="•"/>
+              <a:defRPr sz="1800" kern="1200">
+                <a:solidFill>
+                  <a:schemeClr val="tx1"/>
+                </a:solidFill>
+                <a:latin typeface="+mn-lt"/>
+                <a:ea typeface="+mn-ea"/>
+                <a:cs typeface="+mn-cs"/>
+              </a:defRPr>
+            </a:lvl7pPr>
+            <a:lvl8pPr marL="3429000" indent="-228600" algn="l" defTabSz="914400" rtl="0" eaLnBrk="1" latinLnBrk="0" hangingPunct="1">
+              <a:lnSpc>
+                <a:spcPct val="90000"/>
+              </a:lnSpc>
+              <a:spcBef>
+                <a:spcPts val="500"/>
+              </a:spcBef>
+              <a:buFont typeface="Arial" panose="020B0604020202020204" pitchFamily="34" charset="0"/>
+              <a:buChar char="•"/>
+              <a:defRPr sz="1800" kern="1200">
+                <a:solidFill>
+                  <a:schemeClr val="tx1"/>
+                </a:solidFill>
+                <a:latin typeface="+mn-lt"/>
+                <a:ea typeface="+mn-ea"/>
+                <a:cs typeface="+mn-cs"/>
+              </a:defRPr>
+            </a:lvl8pPr>
+            <a:lvl9pPr marL="3886200" indent="-228600" algn="l" defTabSz="914400" rtl="0" eaLnBrk="1" latinLnBrk="0" hangingPunct="1">
+              <a:lnSpc>
+                <a:spcPct val="90000"/>
+              </a:lnSpc>
+              <a:spcBef>
+                <a:spcPts val="500"/>
+              </a:spcBef>
+              <a:buFont typeface="Arial" panose="020B0604020202020204" pitchFamily="34" charset="0"/>
+              <a:buChar char="•"/>
+              <a:defRPr sz="1800" kern="1200">
+                <a:solidFill>
+                  <a:schemeClr val="tx1"/>
+                </a:solidFill>
+                <a:latin typeface="+mn-lt"/>
+                <a:ea typeface="+mn-ea"/>
+                <a:cs typeface="+mn-cs"/>
+              </a:defRPr>
+            </a:lvl9pPr>
+          </a:lstStyle>
+          <a:p>
+            <a:r>
+              <a:rPr lang="it-CH" dirty="0"/>
               <a:t>Account takeover</a:t>
             </a:r>
           </a:p>
@@ -3968,7 +4241,7 @@
 </p:sld>
 </file>
 
-<file path=ppt/slides/slide16.xml><?xml version="1.0" encoding="utf-8"?>
+<file path=ppt/slides/slide17.xml><?xml version="1.0" encoding="utf-8"?>
 <p:sld xmlns:a="http://schemas.openxmlformats.org/drawingml/2006/main" xmlns:r="http://schemas.openxmlformats.org/officeDocument/2006/relationships" xmlns:p="http://schemas.openxmlformats.org/presentationml/2006/main">
   <p:cSld>
     <p:spTree>
@@ -4055,7 +4328,7 @@
 </p:sld>
 </file>
 
-<file path=ppt/slides/slide17.xml><?xml version="1.0" encoding="utf-8"?>
+<file path=ppt/slides/slide18.xml><?xml version="1.0" encoding="utf-8"?>
 <p:sld xmlns:a="http://schemas.openxmlformats.org/drawingml/2006/main" xmlns:r="http://schemas.openxmlformats.org/officeDocument/2006/relationships" xmlns:p="http://schemas.openxmlformats.org/presentationml/2006/main">
   <p:cSld>
     <p:spTree>
@@ -4142,7 +4415,7 @@
 </p:sld>
 </file>
 
-<file path=ppt/slides/slide18.xml><?xml version="1.0" encoding="utf-8"?>
+<file path=ppt/slides/slide19.xml><?xml version="1.0" encoding="utf-8"?>
 <p:sld xmlns:a="http://schemas.openxmlformats.org/drawingml/2006/main" xmlns:r="http://schemas.openxmlformats.org/officeDocument/2006/relationships" xmlns:p="http://schemas.openxmlformats.org/presentationml/2006/main">
   <p:cSld>
     <p:spTree>
@@ -4220,93 +4493,6 @@
     <p:extLst>
       <p:ext uri="{BB962C8B-B14F-4D97-AF65-F5344CB8AC3E}">
         <p14:creationId xmlns:p14="http://schemas.microsoft.com/office/powerpoint/2010/main" val="2927481310"/>
-      </p:ext>
-    </p:extLst>
-  </p:cSld>
-  <p:clrMapOvr>
-    <a:masterClrMapping/>
-  </p:clrMapOvr>
-</p:sld>
-</file>
-
-<file path=ppt/slides/slide19.xml><?xml version="1.0" encoding="utf-8"?>
-<p:sld xmlns:a="http://schemas.openxmlformats.org/drawingml/2006/main" xmlns:r="http://schemas.openxmlformats.org/officeDocument/2006/relationships" xmlns:p="http://schemas.openxmlformats.org/presentationml/2006/main">
-  <p:cSld>
-    <p:spTree>
-      <p:nvGrpSpPr>
-        <p:cNvPr id="1" name=""/>
-        <p:cNvGrpSpPr/>
-        <p:nvPr/>
-      </p:nvGrpSpPr>
-      <p:grpSpPr>
-        <a:xfrm>
-          <a:off x="0" y="0"/>
-          <a:ext cx="0" cy="0"/>
-          <a:chOff x="0" y="0"/>
-          <a:chExt cx="0" cy="0"/>
-        </a:xfrm>
-      </p:grpSpPr>
-      <p:sp>
-        <p:nvSpPr>
-          <p:cNvPr id="2" name="Titolo 1">
-            <a:extLst>
-              <a:ext uri="{FF2B5EF4-FFF2-40B4-BE49-F238E27FC236}">
-                <a16:creationId xmlns:a16="http://schemas.microsoft.com/office/drawing/2014/main" id="{61A5BAD6-CCA0-8541-8009-C4C25EF25CC0}"/>
-              </a:ext>
-            </a:extLst>
-          </p:cNvPr>
-          <p:cNvSpPr>
-            <a:spLocks noGrp="1"/>
-          </p:cNvSpPr>
-          <p:nvPr>
-            <p:ph type="title"/>
-          </p:nvPr>
-        </p:nvSpPr>
-        <p:spPr/>
-        <p:txBody>
-          <a:bodyPr/>
-          <a:lstStyle/>
-          <a:p>
-            <a:r>
-              <a:rPr lang="it-CH" dirty="0"/>
-              <a:t>Pagina profilo.</a:t>
-            </a:r>
-          </a:p>
-        </p:txBody>
-      </p:sp>
-      <p:pic>
-        <p:nvPicPr>
-          <p:cNvPr id="5" name="Segnaposto contenuto 4">
-            <a:extLst>
-              <a:ext uri="{FF2B5EF4-FFF2-40B4-BE49-F238E27FC236}">
-                <a16:creationId xmlns:a16="http://schemas.microsoft.com/office/drawing/2014/main" id="{36B7C4B0-C55E-4840-8B23-6ADDE81B0329}"/>
-              </a:ext>
-            </a:extLst>
-          </p:cNvPr>
-          <p:cNvPicPr>
-            <a:picLocks noGrp="1" noChangeAspect="1"/>
-          </p:cNvPicPr>
-          <p:nvPr>
-            <p:ph idx="1"/>
-          </p:nvPr>
-        </p:nvPicPr>
-        <p:blipFill>
-          <a:blip r:embed="rId2"/>
-          <a:stretch>
-            <a:fillRect/>
-          </a:stretch>
-        </p:blipFill>
-        <p:spPr>
-          <a:xfrm>
-            <a:off x="1288519" y="1458000"/>
-            <a:ext cx="9614961" cy="5400000"/>
-          </a:xfrm>
-        </p:spPr>
-      </p:pic>
-    </p:spTree>
-    <p:extLst>
-      <p:ext uri="{BB962C8B-B14F-4D97-AF65-F5344CB8AC3E}">
-        <p14:creationId xmlns:p14="http://schemas.microsoft.com/office/powerpoint/2010/main" val="2340610193"/>
       </p:ext>
     </p:extLst>
   </p:cSld>
@@ -4436,6 +4622,93 @@
           <p:cNvPr id="2" name="Titolo 1">
             <a:extLst>
               <a:ext uri="{FF2B5EF4-FFF2-40B4-BE49-F238E27FC236}">
+                <a16:creationId xmlns:a16="http://schemas.microsoft.com/office/drawing/2014/main" id="{61A5BAD6-CCA0-8541-8009-C4C25EF25CC0}"/>
+              </a:ext>
+            </a:extLst>
+          </p:cNvPr>
+          <p:cNvSpPr>
+            <a:spLocks noGrp="1"/>
+          </p:cNvSpPr>
+          <p:nvPr>
+            <p:ph type="title"/>
+          </p:nvPr>
+        </p:nvSpPr>
+        <p:spPr/>
+        <p:txBody>
+          <a:bodyPr/>
+          <a:lstStyle/>
+          <a:p>
+            <a:r>
+              <a:rPr lang="it-CH" dirty="0"/>
+              <a:t>Pagina profilo.</a:t>
+            </a:r>
+          </a:p>
+        </p:txBody>
+      </p:sp>
+      <p:pic>
+        <p:nvPicPr>
+          <p:cNvPr id="5" name="Segnaposto contenuto 4">
+            <a:extLst>
+              <a:ext uri="{FF2B5EF4-FFF2-40B4-BE49-F238E27FC236}">
+                <a16:creationId xmlns:a16="http://schemas.microsoft.com/office/drawing/2014/main" id="{36B7C4B0-C55E-4840-8B23-6ADDE81B0329}"/>
+              </a:ext>
+            </a:extLst>
+          </p:cNvPr>
+          <p:cNvPicPr>
+            <a:picLocks noGrp="1" noChangeAspect="1"/>
+          </p:cNvPicPr>
+          <p:nvPr>
+            <p:ph idx="1"/>
+          </p:nvPr>
+        </p:nvPicPr>
+        <p:blipFill>
+          <a:blip r:embed="rId2"/>
+          <a:stretch>
+            <a:fillRect/>
+          </a:stretch>
+        </p:blipFill>
+        <p:spPr>
+          <a:xfrm>
+            <a:off x="1288519" y="1458000"/>
+            <a:ext cx="9614961" cy="5400000"/>
+          </a:xfrm>
+        </p:spPr>
+      </p:pic>
+    </p:spTree>
+    <p:extLst>
+      <p:ext uri="{BB962C8B-B14F-4D97-AF65-F5344CB8AC3E}">
+        <p14:creationId xmlns:p14="http://schemas.microsoft.com/office/powerpoint/2010/main" val="2340610193"/>
+      </p:ext>
+    </p:extLst>
+  </p:cSld>
+  <p:clrMapOvr>
+    <a:masterClrMapping/>
+  </p:clrMapOvr>
+</p:sld>
+</file>
+
+<file path=ppt/slides/slide21.xml><?xml version="1.0" encoding="utf-8"?>
+<p:sld xmlns:a="http://schemas.openxmlformats.org/drawingml/2006/main" xmlns:r="http://schemas.openxmlformats.org/officeDocument/2006/relationships" xmlns:p="http://schemas.openxmlformats.org/presentationml/2006/main">
+  <p:cSld>
+    <p:spTree>
+      <p:nvGrpSpPr>
+        <p:cNvPr id="1" name=""/>
+        <p:cNvGrpSpPr/>
+        <p:nvPr/>
+      </p:nvGrpSpPr>
+      <p:grpSpPr>
+        <a:xfrm>
+          <a:off x="0" y="0"/>
+          <a:ext cx="0" cy="0"/>
+          <a:chOff x="0" y="0"/>
+          <a:chExt cx="0" cy="0"/>
+        </a:xfrm>
+      </p:grpSpPr>
+      <p:sp>
+        <p:nvSpPr>
+          <p:cNvPr id="2" name="Titolo 1">
+            <a:extLst>
+              <a:ext uri="{FF2B5EF4-FFF2-40B4-BE49-F238E27FC236}">
                 <a16:creationId xmlns:a16="http://schemas.microsoft.com/office/drawing/2014/main" id="{30EF4BCB-B3BC-F34B-835B-AE44D67F5F27}"/>
               </a:ext>
             </a:extLst>
@@ -4501,7 +4774,7 @@
 </p:sld>
 </file>
 
-<file path=ppt/slides/slide21.xml><?xml version="1.0" encoding="utf-8"?>
+<file path=ppt/slides/slide22.xml><?xml version="1.0" encoding="utf-8"?>
 <p:sld xmlns:a="http://schemas.openxmlformats.org/drawingml/2006/main" xmlns:r="http://schemas.openxmlformats.org/officeDocument/2006/relationships" xmlns:p="http://schemas.openxmlformats.org/presentationml/2006/main">
   <p:cSld>
     <p:spTree>
@@ -4588,269 +4861,6 @@
 </p:sld>
 </file>
 
-<file path=ppt/slides/slide22.xml><?xml version="1.0" encoding="utf-8"?>
-<p:sld xmlns:a="http://schemas.openxmlformats.org/drawingml/2006/main" xmlns:r="http://schemas.openxmlformats.org/officeDocument/2006/relationships" xmlns:p="http://schemas.openxmlformats.org/presentationml/2006/main">
-  <p:cSld>
-    <p:spTree>
-      <p:nvGrpSpPr>
-        <p:cNvPr id="1" name=""/>
-        <p:cNvGrpSpPr/>
-        <p:nvPr/>
-      </p:nvGrpSpPr>
-      <p:grpSpPr>
-        <a:xfrm>
-          <a:off x="0" y="0"/>
-          <a:ext cx="0" cy="0"/>
-          <a:chOff x="0" y="0"/>
-          <a:chExt cx="0" cy="0"/>
-        </a:xfrm>
-      </p:grpSpPr>
-      <p:sp>
-        <p:nvSpPr>
-          <p:cNvPr id="2" name="Titolo 1">
-            <a:extLst>
-              <a:ext uri="{FF2B5EF4-FFF2-40B4-BE49-F238E27FC236}">
-                <a16:creationId xmlns:a16="http://schemas.microsoft.com/office/drawing/2014/main" id="{B73D0645-06C5-A94A-86CF-0BBB39FE5687}"/>
-              </a:ext>
-            </a:extLst>
-          </p:cNvPr>
-          <p:cNvSpPr>
-            <a:spLocks noGrp="1"/>
-          </p:cNvSpPr>
-          <p:nvPr>
-            <p:ph type="title"/>
-          </p:nvPr>
-        </p:nvSpPr>
-        <p:spPr/>
-        <p:txBody>
-          <a:bodyPr/>
-          <a:lstStyle/>
-          <a:p>
-            <a:r>
-              <a:rPr lang="it-CH" dirty="0"/>
-              <a:t>Test.</a:t>
-            </a:r>
-          </a:p>
-        </p:txBody>
-      </p:sp>
-      <p:sp>
-        <p:nvSpPr>
-          <p:cNvPr id="6" name="Segnaposto contenuto 2">
-            <a:extLst>
-              <a:ext uri="{FF2B5EF4-FFF2-40B4-BE49-F238E27FC236}">
-                <a16:creationId xmlns:a16="http://schemas.microsoft.com/office/drawing/2014/main" id="{D15D0E47-EDBC-A343-A770-FA3E8A5AA9CC}"/>
-              </a:ext>
-            </a:extLst>
-          </p:cNvPr>
-          <p:cNvSpPr txBox="1">
-            <a:spLocks/>
-          </p:cNvSpPr>
-          <p:nvPr/>
-        </p:nvSpPr>
-        <p:spPr>
-          <a:xfrm>
-            <a:off x="4952113" y="2141537"/>
-            <a:ext cx="2287773" cy="4716463"/>
-          </a:xfrm>
-          <a:prstGeom prst="rect">
-            <a:avLst/>
-          </a:prstGeom>
-        </p:spPr>
-        <p:txBody>
-          <a:bodyPr vert="horz" lIns="91440" tIns="45720" rIns="91440" bIns="45720" rtlCol="0">
-            <a:normAutofit/>
-          </a:bodyPr>
-          <a:lstStyle>
-            <a:lvl1pPr marL="228600" indent="-228600" algn="l" defTabSz="914400" rtl="0" eaLnBrk="1" latinLnBrk="0" hangingPunct="1">
-              <a:lnSpc>
-                <a:spcPct val="90000"/>
-              </a:lnSpc>
-              <a:spcBef>
-                <a:spcPts val="1000"/>
-              </a:spcBef>
-              <a:buFont typeface="Arial" panose="020B0604020202020204" pitchFamily="34" charset="0"/>
-              <a:buChar char="•"/>
-              <a:defRPr sz="2800" kern="1200">
-                <a:solidFill>
-                  <a:schemeClr val="tx1"/>
-                </a:solidFill>
-                <a:latin typeface="+mn-lt"/>
-                <a:ea typeface="+mn-ea"/>
-                <a:cs typeface="+mn-cs"/>
-              </a:defRPr>
-            </a:lvl1pPr>
-            <a:lvl2pPr marL="685800" indent="-228600" algn="l" defTabSz="914400" rtl="0" eaLnBrk="1" latinLnBrk="0" hangingPunct="1">
-              <a:lnSpc>
-                <a:spcPct val="90000"/>
-              </a:lnSpc>
-              <a:spcBef>
-                <a:spcPts val="500"/>
-              </a:spcBef>
-              <a:buFont typeface="Arial" panose="020B0604020202020204" pitchFamily="34" charset="0"/>
-              <a:buChar char="•"/>
-              <a:defRPr sz="2400" kern="1200">
-                <a:solidFill>
-                  <a:schemeClr val="tx1"/>
-                </a:solidFill>
-                <a:latin typeface="+mn-lt"/>
-                <a:ea typeface="+mn-ea"/>
-                <a:cs typeface="+mn-cs"/>
-              </a:defRPr>
-            </a:lvl2pPr>
-            <a:lvl3pPr marL="1143000" indent="-228600" algn="l" defTabSz="914400" rtl="0" eaLnBrk="1" latinLnBrk="0" hangingPunct="1">
-              <a:lnSpc>
-                <a:spcPct val="90000"/>
-              </a:lnSpc>
-              <a:spcBef>
-                <a:spcPts val="500"/>
-              </a:spcBef>
-              <a:buFont typeface="Arial" panose="020B0604020202020204" pitchFamily="34" charset="0"/>
-              <a:buChar char="•"/>
-              <a:defRPr sz="2000" kern="1200">
-                <a:solidFill>
-                  <a:schemeClr val="tx1"/>
-                </a:solidFill>
-                <a:latin typeface="+mn-lt"/>
-                <a:ea typeface="+mn-ea"/>
-                <a:cs typeface="+mn-cs"/>
-              </a:defRPr>
-            </a:lvl3pPr>
-            <a:lvl4pPr marL="1600200" indent="-228600" algn="l" defTabSz="914400" rtl="0" eaLnBrk="1" latinLnBrk="0" hangingPunct="1">
-              <a:lnSpc>
-                <a:spcPct val="90000"/>
-              </a:lnSpc>
-              <a:spcBef>
-                <a:spcPts val="500"/>
-              </a:spcBef>
-              <a:buFont typeface="Arial" panose="020B0604020202020204" pitchFamily="34" charset="0"/>
-              <a:buChar char="•"/>
-              <a:defRPr sz="1800" kern="1200">
-                <a:solidFill>
-                  <a:schemeClr val="tx1"/>
-                </a:solidFill>
-                <a:latin typeface="+mn-lt"/>
-                <a:ea typeface="+mn-ea"/>
-                <a:cs typeface="+mn-cs"/>
-              </a:defRPr>
-            </a:lvl4pPr>
-            <a:lvl5pPr marL="2057400" indent="-228600" algn="l" defTabSz="914400" rtl="0" eaLnBrk="1" latinLnBrk="0" hangingPunct="1">
-              <a:lnSpc>
-                <a:spcPct val="90000"/>
-              </a:lnSpc>
-              <a:spcBef>
-                <a:spcPts val="500"/>
-              </a:spcBef>
-              <a:buFont typeface="Arial" panose="020B0604020202020204" pitchFamily="34" charset="0"/>
-              <a:buChar char="•"/>
-              <a:defRPr sz="1800" kern="1200">
-                <a:solidFill>
-                  <a:schemeClr val="tx1"/>
-                </a:solidFill>
-                <a:latin typeface="+mn-lt"/>
-                <a:ea typeface="+mn-ea"/>
-                <a:cs typeface="+mn-cs"/>
-              </a:defRPr>
-            </a:lvl5pPr>
-            <a:lvl6pPr marL="2514600" indent="-228600" algn="l" defTabSz="914400" rtl="0" eaLnBrk="1" latinLnBrk="0" hangingPunct="1">
-              <a:lnSpc>
-                <a:spcPct val="90000"/>
-              </a:lnSpc>
-              <a:spcBef>
-                <a:spcPts val="500"/>
-              </a:spcBef>
-              <a:buFont typeface="Arial" panose="020B0604020202020204" pitchFamily="34" charset="0"/>
-              <a:buChar char="•"/>
-              <a:defRPr sz="1800" kern="1200">
-                <a:solidFill>
-                  <a:schemeClr val="tx1"/>
-                </a:solidFill>
-                <a:latin typeface="+mn-lt"/>
-                <a:ea typeface="+mn-ea"/>
-                <a:cs typeface="+mn-cs"/>
-              </a:defRPr>
-            </a:lvl6pPr>
-            <a:lvl7pPr marL="2971800" indent="-228600" algn="l" defTabSz="914400" rtl="0" eaLnBrk="1" latinLnBrk="0" hangingPunct="1">
-              <a:lnSpc>
-                <a:spcPct val="90000"/>
-              </a:lnSpc>
-              <a:spcBef>
-                <a:spcPts val="500"/>
-              </a:spcBef>
-              <a:buFont typeface="Arial" panose="020B0604020202020204" pitchFamily="34" charset="0"/>
-              <a:buChar char="•"/>
-              <a:defRPr sz="1800" kern="1200">
-                <a:solidFill>
-                  <a:schemeClr val="tx1"/>
-                </a:solidFill>
-                <a:latin typeface="+mn-lt"/>
-                <a:ea typeface="+mn-ea"/>
-                <a:cs typeface="+mn-cs"/>
-              </a:defRPr>
-            </a:lvl7pPr>
-            <a:lvl8pPr marL="3429000" indent="-228600" algn="l" defTabSz="914400" rtl="0" eaLnBrk="1" latinLnBrk="0" hangingPunct="1">
-              <a:lnSpc>
-                <a:spcPct val="90000"/>
-              </a:lnSpc>
-              <a:spcBef>
-                <a:spcPts val="500"/>
-              </a:spcBef>
-              <a:buFont typeface="Arial" panose="020B0604020202020204" pitchFamily="34" charset="0"/>
-              <a:buChar char="•"/>
-              <a:defRPr sz="1800" kern="1200">
-                <a:solidFill>
-                  <a:schemeClr val="tx1"/>
-                </a:solidFill>
-                <a:latin typeface="+mn-lt"/>
-                <a:ea typeface="+mn-ea"/>
-                <a:cs typeface="+mn-cs"/>
-              </a:defRPr>
-            </a:lvl8pPr>
-            <a:lvl9pPr marL="3886200" indent="-228600" algn="l" defTabSz="914400" rtl="0" eaLnBrk="1" latinLnBrk="0" hangingPunct="1">
-              <a:lnSpc>
-                <a:spcPct val="90000"/>
-              </a:lnSpc>
-              <a:spcBef>
-                <a:spcPts val="500"/>
-              </a:spcBef>
-              <a:buFont typeface="Arial" panose="020B0604020202020204" pitchFamily="34" charset="0"/>
-              <a:buChar char="•"/>
-              <a:defRPr sz="1800" kern="1200">
-                <a:solidFill>
-                  <a:schemeClr val="tx1"/>
-                </a:solidFill>
-                <a:latin typeface="+mn-lt"/>
-                <a:ea typeface="+mn-ea"/>
-                <a:cs typeface="+mn-cs"/>
-              </a:defRPr>
-            </a:lvl9pPr>
-          </a:lstStyle>
-          <a:p>
-            <a:r>
-              <a:rPr lang="it-CH" dirty="0"/>
-              <a:t>Vulnerabilità</a:t>
-            </a:r>
-          </a:p>
-          <a:p>
-            <a:r>
-              <a:rPr lang="it-CH" dirty="0"/>
-              <a:t>Generali</a:t>
-            </a:r>
-          </a:p>
-        </p:txBody>
-      </p:sp>
-    </p:spTree>
-    <p:extLst>
-      <p:ext uri="{BB962C8B-B14F-4D97-AF65-F5344CB8AC3E}">
-        <p14:creationId xmlns:p14="http://schemas.microsoft.com/office/powerpoint/2010/main" val="170033443"/>
-      </p:ext>
-    </p:extLst>
-  </p:cSld>
-  <p:clrMapOvr>
-    <a:masterClrMapping/>
-  </p:clrMapOvr>
-</p:sld>
-</file>
-
 <file path=ppt/slides/slide23.xml><?xml version="1.0" encoding="utf-8"?>
 <p:sld xmlns:a="http://schemas.openxmlformats.org/drawingml/2006/main" xmlns:r="http://schemas.openxmlformats.org/officeDocument/2006/relationships" xmlns:p="http://schemas.openxmlformats.org/presentationml/2006/main">
   <p:cSld>
@@ -4873,7 +4883,7 @@
           <p:cNvPr id="2" name="Titolo 1">
             <a:extLst>
               <a:ext uri="{FF2B5EF4-FFF2-40B4-BE49-F238E27FC236}">
-                <a16:creationId xmlns:a16="http://schemas.microsoft.com/office/drawing/2014/main" id="{4AC09433-9D55-F34F-BB2A-F2B4B9817A5B}"/>
+                <a16:creationId xmlns:a16="http://schemas.microsoft.com/office/drawing/2014/main" id="{B73D0645-06C5-A94A-86CF-0BBB39FE5687}"/>
               </a:ext>
             </a:extLst>
           </p:cNvPr>
@@ -4891,17 +4901,17 @@
           <a:p>
             <a:r>
               <a:rPr lang="it-CH" dirty="0"/>
-              <a:t>Sviluppi futuri.</a:t>
-            </a:r>
-          </a:p>
-        </p:txBody>
-      </p:sp>
-      <p:sp>
-        <p:nvSpPr>
-          <p:cNvPr id="4" name="Segnaposto contenuto 2">
-            <a:extLst>
-              <a:ext uri="{FF2B5EF4-FFF2-40B4-BE49-F238E27FC236}">
-                <a16:creationId xmlns:a16="http://schemas.microsoft.com/office/drawing/2014/main" id="{65450AF9-1E6D-7D4C-917B-2ECBA2802BE1}"/>
+              <a:t>Test.</a:t>
+            </a:r>
+          </a:p>
+        </p:txBody>
+      </p:sp>
+      <p:sp>
+        <p:nvSpPr>
+          <p:cNvPr id="6" name="Segnaposto contenuto 2">
+            <a:extLst>
+              <a:ext uri="{FF2B5EF4-FFF2-40B4-BE49-F238E27FC236}">
+                <a16:creationId xmlns:a16="http://schemas.microsoft.com/office/drawing/2014/main" id="{D15D0E47-EDBC-A343-A770-FA3E8A5AA9CC}"/>
               </a:ext>
             </a:extLst>
           </p:cNvPr>
@@ -4912,8 +4922,8 @@
         </p:nvSpPr>
         <p:spPr>
           <a:xfrm>
-            <a:off x="4313717" y="2141537"/>
-            <a:ext cx="3564566" cy="4716463"/>
+            <a:off x="4952113" y="2141537"/>
+            <a:ext cx="2287773" cy="4716463"/>
           </a:xfrm>
           <a:prstGeom prst="rect">
             <a:avLst/>
@@ -5090,6 +5100,269 @@
           <a:p>
             <a:r>
               <a:rPr lang="it-CH" dirty="0"/>
+              <a:t>Vulnerabilità</a:t>
+            </a:r>
+          </a:p>
+          <a:p>
+            <a:r>
+              <a:rPr lang="it-CH" dirty="0"/>
+              <a:t>Generali</a:t>
+            </a:r>
+          </a:p>
+        </p:txBody>
+      </p:sp>
+    </p:spTree>
+    <p:extLst>
+      <p:ext uri="{BB962C8B-B14F-4D97-AF65-F5344CB8AC3E}">
+        <p14:creationId xmlns:p14="http://schemas.microsoft.com/office/powerpoint/2010/main" val="170033443"/>
+      </p:ext>
+    </p:extLst>
+  </p:cSld>
+  <p:clrMapOvr>
+    <a:masterClrMapping/>
+  </p:clrMapOvr>
+</p:sld>
+</file>
+
+<file path=ppt/slides/slide24.xml><?xml version="1.0" encoding="utf-8"?>
+<p:sld xmlns:a="http://schemas.openxmlformats.org/drawingml/2006/main" xmlns:r="http://schemas.openxmlformats.org/officeDocument/2006/relationships" xmlns:p="http://schemas.openxmlformats.org/presentationml/2006/main">
+  <p:cSld>
+    <p:spTree>
+      <p:nvGrpSpPr>
+        <p:cNvPr id="1" name=""/>
+        <p:cNvGrpSpPr/>
+        <p:nvPr/>
+      </p:nvGrpSpPr>
+      <p:grpSpPr>
+        <a:xfrm>
+          <a:off x="0" y="0"/>
+          <a:ext cx="0" cy="0"/>
+          <a:chOff x="0" y="0"/>
+          <a:chExt cx="0" cy="0"/>
+        </a:xfrm>
+      </p:grpSpPr>
+      <p:sp>
+        <p:nvSpPr>
+          <p:cNvPr id="2" name="Titolo 1">
+            <a:extLst>
+              <a:ext uri="{FF2B5EF4-FFF2-40B4-BE49-F238E27FC236}">
+                <a16:creationId xmlns:a16="http://schemas.microsoft.com/office/drawing/2014/main" id="{4AC09433-9D55-F34F-BB2A-F2B4B9817A5B}"/>
+              </a:ext>
+            </a:extLst>
+          </p:cNvPr>
+          <p:cNvSpPr>
+            <a:spLocks noGrp="1"/>
+          </p:cNvSpPr>
+          <p:nvPr>
+            <p:ph type="title"/>
+          </p:nvPr>
+        </p:nvSpPr>
+        <p:spPr/>
+        <p:txBody>
+          <a:bodyPr/>
+          <a:lstStyle/>
+          <a:p>
+            <a:r>
+              <a:rPr lang="it-CH" dirty="0"/>
+              <a:t>Sviluppi futuri.</a:t>
+            </a:r>
+          </a:p>
+        </p:txBody>
+      </p:sp>
+      <p:sp>
+        <p:nvSpPr>
+          <p:cNvPr id="4" name="Segnaposto contenuto 2">
+            <a:extLst>
+              <a:ext uri="{FF2B5EF4-FFF2-40B4-BE49-F238E27FC236}">
+                <a16:creationId xmlns:a16="http://schemas.microsoft.com/office/drawing/2014/main" id="{65450AF9-1E6D-7D4C-917B-2ECBA2802BE1}"/>
+              </a:ext>
+            </a:extLst>
+          </p:cNvPr>
+          <p:cNvSpPr txBox="1">
+            <a:spLocks/>
+          </p:cNvSpPr>
+          <p:nvPr/>
+        </p:nvSpPr>
+        <p:spPr>
+          <a:xfrm>
+            <a:off x="4313717" y="2141537"/>
+            <a:ext cx="3564566" cy="4716463"/>
+          </a:xfrm>
+          <a:prstGeom prst="rect">
+            <a:avLst/>
+          </a:prstGeom>
+        </p:spPr>
+        <p:txBody>
+          <a:bodyPr vert="horz" lIns="91440" tIns="45720" rIns="91440" bIns="45720" rtlCol="0">
+            <a:normAutofit/>
+          </a:bodyPr>
+          <a:lstStyle>
+            <a:lvl1pPr marL="228600" indent="-228600" algn="l" defTabSz="914400" rtl="0" eaLnBrk="1" latinLnBrk="0" hangingPunct="1">
+              <a:lnSpc>
+                <a:spcPct val="90000"/>
+              </a:lnSpc>
+              <a:spcBef>
+                <a:spcPts val="1000"/>
+              </a:spcBef>
+              <a:buFont typeface="Arial" panose="020B0604020202020204" pitchFamily="34" charset="0"/>
+              <a:buChar char="•"/>
+              <a:defRPr sz="2800" kern="1200">
+                <a:solidFill>
+                  <a:schemeClr val="tx1"/>
+                </a:solidFill>
+                <a:latin typeface="+mn-lt"/>
+                <a:ea typeface="+mn-ea"/>
+                <a:cs typeface="+mn-cs"/>
+              </a:defRPr>
+            </a:lvl1pPr>
+            <a:lvl2pPr marL="685800" indent="-228600" algn="l" defTabSz="914400" rtl="0" eaLnBrk="1" latinLnBrk="0" hangingPunct="1">
+              <a:lnSpc>
+                <a:spcPct val="90000"/>
+              </a:lnSpc>
+              <a:spcBef>
+                <a:spcPts val="500"/>
+              </a:spcBef>
+              <a:buFont typeface="Arial" panose="020B0604020202020204" pitchFamily="34" charset="0"/>
+              <a:buChar char="•"/>
+              <a:defRPr sz="2400" kern="1200">
+                <a:solidFill>
+                  <a:schemeClr val="tx1"/>
+                </a:solidFill>
+                <a:latin typeface="+mn-lt"/>
+                <a:ea typeface="+mn-ea"/>
+                <a:cs typeface="+mn-cs"/>
+              </a:defRPr>
+            </a:lvl2pPr>
+            <a:lvl3pPr marL="1143000" indent="-228600" algn="l" defTabSz="914400" rtl="0" eaLnBrk="1" latinLnBrk="0" hangingPunct="1">
+              <a:lnSpc>
+                <a:spcPct val="90000"/>
+              </a:lnSpc>
+              <a:spcBef>
+                <a:spcPts val="500"/>
+              </a:spcBef>
+              <a:buFont typeface="Arial" panose="020B0604020202020204" pitchFamily="34" charset="0"/>
+              <a:buChar char="•"/>
+              <a:defRPr sz="2000" kern="1200">
+                <a:solidFill>
+                  <a:schemeClr val="tx1"/>
+                </a:solidFill>
+                <a:latin typeface="+mn-lt"/>
+                <a:ea typeface="+mn-ea"/>
+                <a:cs typeface="+mn-cs"/>
+              </a:defRPr>
+            </a:lvl3pPr>
+            <a:lvl4pPr marL="1600200" indent="-228600" algn="l" defTabSz="914400" rtl="0" eaLnBrk="1" latinLnBrk="0" hangingPunct="1">
+              <a:lnSpc>
+                <a:spcPct val="90000"/>
+              </a:lnSpc>
+              <a:spcBef>
+                <a:spcPts val="500"/>
+              </a:spcBef>
+              <a:buFont typeface="Arial" panose="020B0604020202020204" pitchFamily="34" charset="0"/>
+              <a:buChar char="•"/>
+              <a:defRPr sz="1800" kern="1200">
+                <a:solidFill>
+                  <a:schemeClr val="tx1"/>
+                </a:solidFill>
+                <a:latin typeface="+mn-lt"/>
+                <a:ea typeface="+mn-ea"/>
+                <a:cs typeface="+mn-cs"/>
+              </a:defRPr>
+            </a:lvl4pPr>
+            <a:lvl5pPr marL="2057400" indent="-228600" algn="l" defTabSz="914400" rtl="0" eaLnBrk="1" latinLnBrk="0" hangingPunct="1">
+              <a:lnSpc>
+                <a:spcPct val="90000"/>
+              </a:lnSpc>
+              <a:spcBef>
+                <a:spcPts val="500"/>
+              </a:spcBef>
+              <a:buFont typeface="Arial" panose="020B0604020202020204" pitchFamily="34" charset="0"/>
+              <a:buChar char="•"/>
+              <a:defRPr sz="1800" kern="1200">
+                <a:solidFill>
+                  <a:schemeClr val="tx1"/>
+                </a:solidFill>
+                <a:latin typeface="+mn-lt"/>
+                <a:ea typeface="+mn-ea"/>
+                <a:cs typeface="+mn-cs"/>
+              </a:defRPr>
+            </a:lvl5pPr>
+            <a:lvl6pPr marL="2514600" indent="-228600" algn="l" defTabSz="914400" rtl="0" eaLnBrk="1" latinLnBrk="0" hangingPunct="1">
+              <a:lnSpc>
+                <a:spcPct val="90000"/>
+              </a:lnSpc>
+              <a:spcBef>
+                <a:spcPts val="500"/>
+              </a:spcBef>
+              <a:buFont typeface="Arial" panose="020B0604020202020204" pitchFamily="34" charset="0"/>
+              <a:buChar char="•"/>
+              <a:defRPr sz="1800" kern="1200">
+                <a:solidFill>
+                  <a:schemeClr val="tx1"/>
+                </a:solidFill>
+                <a:latin typeface="+mn-lt"/>
+                <a:ea typeface="+mn-ea"/>
+                <a:cs typeface="+mn-cs"/>
+              </a:defRPr>
+            </a:lvl6pPr>
+            <a:lvl7pPr marL="2971800" indent="-228600" algn="l" defTabSz="914400" rtl="0" eaLnBrk="1" latinLnBrk="0" hangingPunct="1">
+              <a:lnSpc>
+                <a:spcPct val="90000"/>
+              </a:lnSpc>
+              <a:spcBef>
+                <a:spcPts val="500"/>
+              </a:spcBef>
+              <a:buFont typeface="Arial" panose="020B0604020202020204" pitchFamily="34" charset="0"/>
+              <a:buChar char="•"/>
+              <a:defRPr sz="1800" kern="1200">
+                <a:solidFill>
+                  <a:schemeClr val="tx1"/>
+                </a:solidFill>
+                <a:latin typeface="+mn-lt"/>
+                <a:ea typeface="+mn-ea"/>
+                <a:cs typeface="+mn-cs"/>
+              </a:defRPr>
+            </a:lvl7pPr>
+            <a:lvl8pPr marL="3429000" indent="-228600" algn="l" defTabSz="914400" rtl="0" eaLnBrk="1" latinLnBrk="0" hangingPunct="1">
+              <a:lnSpc>
+                <a:spcPct val="90000"/>
+              </a:lnSpc>
+              <a:spcBef>
+                <a:spcPts val="500"/>
+              </a:spcBef>
+              <a:buFont typeface="Arial" panose="020B0604020202020204" pitchFamily="34" charset="0"/>
+              <a:buChar char="•"/>
+              <a:defRPr sz="1800" kern="1200">
+                <a:solidFill>
+                  <a:schemeClr val="tx1"/>
+                </a:solidFill>
+                <a:latin typeface="+mn-lt"/>
+                <a:ea typeface="+mn-ea"/>
+                <a:cs typeface="+mn-cs"/>
+              </a:defRPr>
+            </a:lvl8pPr>
+            <a:lvl9pPr marL="3886200" indent="-228600" algn="l" defTabSz="914400" rtl="0" eaLnBrk="1" latinLnBrk="0" hangingPunct="1">
+              <a:lnSpc>
+                <a:spcPct val="90000"/>
+              </a:lnSpc>
+              <a:spcBef>
+                <a:spcPts val="500"/>
+              </a:spcBef>
+              <a:buFont typeface="Arial" panose="020B0604020202020204" pitchFamily="34" charset="0"/>
+              <a:buChar char="•"/>
+              <a:defRPr sz="1800" kern="1200">
+                <a:solidFill>
+                  <a:schemeClr val="tx1"/>
+                </a:solidFill>
+                <a:latin typeface="+mn-lt"/>
+                <a:ea typeface="+mn-ea"/>
+                <a:cs typeface="+mn-cs"/>
+              </a:defRPr>
+            </a:lvl9pPr>
+          </a:lstStyle>
+          <a:p>
+            <a:r>
+              <a:rPr lang="it-CH" dirty="0"/>
               <a:t>Sistema di punteggio</a:t>
             </a:r>
           </a:p>
@@ -5117,7 +5390,7 @@
 </p:sld>
 </file>
 
-<file path=ppt/slides/slide24.xml><?xml version="1.0" encoding="utf-8"?>
+<file path=ppt/slides/slide25.xml><?xml version="1.0" encoding="utf-8"?>
 <p:sld xmlns:a="http://schemas.openxmlformats.org/drawingml/2006/main" xmlns:r="http://schemas.openxmlformats.org/officeDocument/2006/relationships" xmlns:p="http://schemas.openxmlformats.org/presentationml/2006/main">
   <p:cSld>
     <p:spTree>
